--- a/soldier weapon.pptx
+++ b/soldier weapon.pptx
@@ -7,7 +7,11 @@
   <p:sldIdLst>
     <p:sldId id="260" r:id="rId2"/>
     <p:sldId id="261" r:id="rId3"/>
-    <p:sldId id="258" r:id="rId4"/>
+    <p:sldId id="262" r:id="rId4"/>
+    <p:sldId id="258" r:id="rId5"/>
+    <p:sldId id="263" r:id="rId6"/>
+    <p:sldId id="265" r:id="rId7"/>
+    <p:sldId id="264" r:id="rId8"/>
   </p:sldIdLst>
   <p:sldSz cx="12192000" cy="6858000"/>
   <p:notesSz cx="6858000" cy="9144000"/>
@@ -245,7 +249,7 @@
           <a:p>
             <a:fld id="{0E085FA6-3BB9-47BA-8D81-299A75D1B58A}" type="datetimeFigureOut">
               <a:rPr kumimoji="1" lang="ja-JP" altLang="en-US" smtClean="0"/>
-              <a:t>2025/3/13</a:t>
+              <a:t>2025/3/14</a:t>
             </a:fld>
             <a:endParaRPr kumimoji="1" lang="ja-JP" altLang="en-US"/>
           </a:p>
@@ -447,7 +451,7 @@
           <a:p>
             <a:fld id="{0E085FA6-3BB9-47BA-8D81-299A75D1B58A}" type="datetimeFigureOut">
               <a:rPr kumimoji="1" lang="ja-JP" altLang="en-US" smtClean="0"/>
-              <a:t>2025/3/13</a:t>
+              <a:t>2025/3/14</a:t>
             </a:fld>
             <a:endParaRPr kumimoji="1" lang="ja-JP" altLang="en-US"/>
           </a:p>
@@ -659,7 +663,7 @@
           <a:p>
             <a:fld id="{0E085FA6-3BB9-47BA-8D81-299A75D1B58A}" type="datetimeFigureOut">
               <a:rPr kumimoji="1" lang="ja-JP" altLang="en-US" smtClean="0"/>
-              <a:t>2025/3/13</a:t>
+              <a:t>2025/3/14</a:t>
             </a:fld>
             <a:endParaRPr kumimoji="1" lang="ja-JP" altLang="en-US"/>
           </a:p>
@@ -861,7 +865,7 @@
           <a:p>
             <a:fld id="{0E085FA6-3BB9-47BA-8D81-299A75D1B58A}" type="datetimeFigureOut">
               <a:rPr kumimoji="1" lang="ja-JP" altLang="en-US" smtClean="0"/>
-              <a:t>2025/3/13</a:t>
+              <a:t>2025/3/14</a:t>
             </a:fld>
             <a:endParaRPr kumimoji="1" lang="ja-JP" altLang="en-US"/>
           </a:p>
@@ -1107,7 +1111,7 @@
           <a:p>
             <a:fld id="{0E085FA6-3BB9-47BA-8D81-299A75D1B58A}" type="datetimeFigureOut">
               <a:rPr kumimoji="1" lang="ja-JP" altLang="en-US" smtClean="0"/>
-              <a:t>2025/3/13</a:t>
+              <a:t>2025/3/14</a:t>
             </a:fld>
             <a:endParaRPr kumimoji="1" lang="ja-JP" altLang="en-US"/>
           </a:p>
@@ -1403,7 +1407,7 @@
           <a:p>
             <a:fld id="{0E085FA6-3BB9-47BA-8D81-299A75D1B58A}" type="datetimeFigureOut">
               <a:rPr kumimoji="1" lang="ja-JP" altLang="en-US" smtClean="0"/>
-              <a:t>2025/3/13</a:t>
+              <a:t>2025/3/14</a:t>
             </a:fld>
             <a:endParaRPr kumimoji="1" lang="ja-JP" altLang="en-US"/>
           </a:p>
@@ -1834,7 +1838,7 @@
           <a:p>
             <a:fld id="{0E085FA6-3BB9-47BA-8D81-299A75D1B58A}" type="datetimeFigureOut">
               <a:rPr kumimoji="1" lang="ja-JP" altLang="en-US" smtClean="0"/>
-              <a:t>2025/3/13</a:t>
+              <a:t>2025/3/14</a:t>
             </a:fld>
             <a:endParaRPr kumimoji="1" lang="ja-JP" altLang="en-US"/>
           </a:p>
@@ -1952,7 +1956,7 @@
           <a:p>
             <a:fld id="{0E085FA6-3BB9-47BA-8D81-299A75D1B58A}" type="datetimeFigureOut">
               <a:rPr kumimoji="1" lang="ja-JP" altLang="en-US" smtClean="0"/>
-              <a:t>2025/3/13</a:t>
+              <a:t>2025/3/14</a:t>
             </a:fld>
             <a:endParaRPr kumimoji="1" lang="ja-JP" altLang="en-US"/>
           </a:p>
@@ -2047,7 +2051,7 @@
           <a:p>
             <a:fld id="{0E085FA6-3BB9-47BA-8D81-299A75D1B58A}" type="datetimeFigureOut">
               <a:rPr kumimoji="1" lang="ja-JP" altLang="en-US" smtClean="0"/>
-              <a:t>2025/3/13</a:t>
+              <a:t>2025/3/14</a:t>
             </a:fld>
             <a:endParaRPr kumimoji="1" lang="ja-JP" altLang="en-US"/>
           </a:p>
@@ -2356,7 +2360,7 @@
           <a:p>
             <a:fld id="{0E085FA6-3BB9-47BA-8D81-299A75D1B58A}" type="datetimeFigureOut">
               <a:rPr kumimoji="1" lang="ja-JP" altLang="en-US" smtClean="0"/>
-              <a:t>2025/3/13</a:t>
+              <a:t>2025/3/14</a:t>
             </a:fld>
             <a:endParaRPr kumimoji="1" lang="ja-JP" altLang="en-US"/>
           </a:p>
@@ -2609,7 +2613,7 @@
           <a:p>
             <a:fld id="{0E085FA6-3BB9-47BA-8D81-299A75D1B58A}" type="datetimeFigureOut">
               <a:rPr kumimoji="1" lang="ja-JP" altLang="en-US" smtClean="0"/>
-              <a:t>2025/3/13</a:t>
+              <a:t>2025/3/14</a:t>
             </a:fld>
             <a:endParaRPr kumimoji="1" lang="ja-JP" altLang="en-US"/>
           </a:p>
@@ -2854,7 +2858,7 @@
           <a:p>
             <a:fld id="{0E085FA6-3BB9-47BA-8D81-299A75D1B58A}" type="datetimeFigureOut">
               <a:rPr kumimoji="1" lang="ja-JP" altLang="en-US" smtClean="0"/>
-              <a:t>2025/3/13</a:t>
+              <a:t>2025/3/14</a:t>
             </a:fld>
             <a:endParaRPr kumimoji="1" lang="ja-JP" altLang="en-US"/>
           </a:p>
@@ -5119,6 +5123,828 @@
           <a:chExt cx="0" cy="0"/>
         </a:xfrm>
       </p:grpSpPr>
+      <p:sp>
+        <p:nvSpPr>
+          <p:cNvPr id="81" name="正方形/長方形 80"/>
+          <p:cNvSpPr/>
+          <p:nvPr/>
+        </p:nvSpPr>
+        <p:spPr>
+          <a:xfrm>
+            <a:off x="327381" y="542400"/>
+            <a:ext cx="2152505" cy="2152505"/>
+          </a:xfrm>
+          <a:prstGeom prst="rect">
+            <a:avLst/>
+          </a:prstGeom>
+          <a:solidFill>
+            <a:schemeClr val="bg1"/>
+          </a:solidFill>
+          <a:ln>
+            <a:solidFill>
+              <a:schemeClr val="tx1"/>
+            </a:solidFill>
+          </a:ln>
+        </p:spPr>
+        <p:style>
+          <a:lnRef idx="2">
+            <a:schemeClr val="accent1">
+              <a:shade val="50000"/>
+            </a:schemeClr>
+          </a:lnRef>
+          <a:fillRef idx="1">
+            <a:schemeClr val="accent1"/>
+          </a:fillRef>
+          <a:effectRef idx="0">
+            <a:schemeClr val="accent1"/>
+          </a:effectRef>
+          <a:fontRef idx="minor">
+            <a:schemeClr val="lt1"/>
+          </a:fontRef>
+        </p:style>
+        <p:txBody>
+          <a:bodyPr rtlCol="0" anchor="ctr"/>
+          <a:lstStyle/>
+          <a:p>
+            <a:pPr algn="ctr"/>
+            <a:endParaRPr kumimoji="1" lang="ja-JP" altLang="en-US"/>
+          </a:p>
+        </p:txBody>
+      </p:sp>
+      <p:sp>
+        <p:nvSpPr>
+          <p:cNvPr id="82" name="正方形/長方形 81"/>
+          <p:cNvSpPr/>
+          <p:nvPr/>
+        </p:nvSpPr>
+        <p:spPr>
+          <a:xfrm>
+            <a:off x="2497015" y="542400"/>
+            <a:ext cx="2152505" cy="2152505"/>
+          </a:xfrm>
+          <a:prstGeom prst="rect">
+            <a:avLst/>
+          </a:prstGeom>
+          <a:solidFill>
+            <a:schemeClr val="bg1"/>
+          </a:solidFill>
+          <a:ln>
+            <a:solidFill>
+              <a:schemeClr val="tx1"/>
+            </a:solidFill>
+          </a:ln>
+        </p:spPr>
+        <p:style>
+          <a:lnRef idx="2">
+            <a:schemeClr val="accent1">
+              <a:shade val="50000"/>
+            </a:schemeClr>
+          </a:lnRef>
+          <a:fillRef idx="1">
+            <a:schemeClr val="accent1"/>
+          </a:fillRef>
+          <a:effectRef idx="0">
+            <a:schemeClr val="accent1"/>
+          </a:effectRef>
+          <a:fontRef idx="minor">
+            <a:schemeClr val="lt1"/>
+          </a:fontRef>
+        </p:style>
+        <p:txBody>
+          <a:bodyPr rtlCol="0" anchor="ctr"/>
+          <a:lstStyle/>
+          <a:p>
+            <a:pPr algn="ctr"/>
+            <a:endParaRPr kumimoji="1" lang="ja-JP" altLang="en-US"/>
+          </a:p>
+        </p:txBody>
+      </p:sp>
+      <p:sp>
+        <p:nvSpPr>
+          <p:cNvPr id="83" name="正方形/長方形 82"/>
+          <p:cNvSpPr/>
+          <p:nvPr/>
+        </p:nvSpPr>
+        <p:spPr>
+          <a:xfrm>
+            <a:off x="327381" y="2706587"/>
+            <a:ext cx="2152505" cy="2152505"/>
+          </a:xfrm>
+          <a:prstGeom prst="rect">
+            <a:avLst/>
+          </a:prstGeom>
+          <a:solidFill>
+            <a:schemeClr val="bg1"/>
+          </a:solidFill>
+          <a:ln>
+            <a:solidFill>
+              <a:schemeClr val="tx1"/>
+            </a:solidFill>
+          </a:ln>
+        </p:spPr>
+        <p:style>
+          <a:lnRef idx="2">
+            <a:schemeClr val="accent1">
+              <a:shade val="50000"/>
+            </a:schemeClr>
+          </a:lnRef>
+          <a:fillRef idx="1">
+            <a:schemeClr val="accent1"/>
+          </a:fillRef>
+          <a:effectRef idx="0">
+            <a:schemeClr val="accent1"/>
+          </a:effectRef>
+          <a:fontRef idx="minor">
+            <a:schemeClr val="lt1"/>
+          </a:fontRef>
+        </p:style>
+        <p:txBody>
+          <a:bodyPr rtlCol="0" anchor="ctr"/>
+          <a:lstStyle/>
+          <a:p>
+            <a:pPr algn="ctr"/>
+            <a:endParaRPr kumimoji="1" lang="ja-JP" altLang="en-US"/>
+          </a:p>
+        </p:txBody>
+      </p:sp>
+      <p:sp>
+        <p:nvSpPr>
+          <p:cNvPr id="84" name="正方形/長方形 83"/>
+          <p:cNvSpPr/>
+          <p:nvPr/>
+        </p:nvSpPr>
+        <p:spPr>
+          <a:xfrm>
+            <a:off x="2497015" y="2706587"/>
+            <a:ext cx="2152505" cy="2152505"/>
+          </a:xfrm>
+          <a:prstGeom prst="rect">
+            <a:avLst/>
+          </a:prstGeom>
+          <a:solidFill>
+            <a:schemeClr val="bg1"/>
+          </a:solidFill>
+          <a:ln>
+            <a:solidFill>
+              <a:schemeClr val="tx1"/>
+            </a:solidFill>
+          </a:ln>
+        </p:spPr>
+        <p:style>
+          <a:lnRef idx="2">
+            <a:schemeClr val="accent1">
+              <a:shade val="50000"/>
+            </a:schemeClr>
+          </a:lnRef>
+          <a:fillRef idx="1">
+            <a:schemeClr val="accent1"/>
+          </a:fillRef>
+          <a:effectRef idx="0">
+            <a:schemeClr val="accent1"/>
+          </a:effectRef>
+          <a:fontRef idx="minor">
+            <a:schemeClr val="lt1"/>
+          </a:fontRef>
+        </p:style>
+        <p:txBody>
+          <a:bodyPr rtlCol="0" anchor="ctr"/>
+          <a:lstStyle/>
+          <a:p>
+            <a:pPr algn="ctr"/>
+            <a:endParaRPr kumimoji="1" lang="ja-JP" altLang="en-US"/>
+          </a:p>
+        </p:txBody>
+      </p:sp>
+      <p:sp>
+        <p:nvSpPr>
+          <p:cNvPr id="85" name="正方形/長方形 84"/>
+          <p:cNvSpPr/>
+          <p:nvPr/>
+        </p:nvSpPr>
+        <p:spPr>
+          <a:xfrm>
+            <a:off x="327381" y="4870595"/>
+            <a:ext cx="2152505" cy="2152505"/>
+          </a:xfrm>
+          <a:prstGeom prst="rect">
+            <a:avLst/>
+          </a:prstGeom>
+          <a:solidFill>
+            <a:schemeClr val="bg1"/>
+          </a:solidFill>
+          <a:ln>
+            <a:solidFill>
+              <a:schemeClr val="tx1"/>
+            </a:solidFill>
+          </a:ln>
+        </p:spPr>
+        <p:style>
+          <a:lnRef idx="2">
+            <a:schemeClr val="accent1">
+              <a:shade val="50000"/>
+            </a:schemeClr>
+          </a:lnRef>
+          <a:fillRef idx="1">
+            <a:schemeClr val="accent1"/>
+          </a:fillRef>
+          <a:effectRef idx="0">
+            <a:schemeClr val="accent1"/>
+          </a:effectRef>
+          <a:fontRef idx="minor">
+            <a:schemeClr val="lt1"/>
+          </a:fontRef>
+        </p:style>
+        <p:txBody>
+          <a:bodyPr rtlCol="0" anchor="ctr"/>
+          <a:lstStyle/>
+          <a:p>
+            <a:pPr algn="ctr"/>
+            <a:endParaRPr kumimoji="1" lang="ja-JP" altLang="en-US"/>
+          </a:p>
+        </p:txBody>
+      </p:sp>
+      <p:sp>
+        <p:nvSpPr>
+          <p:cNvPr id="86" name="正方形/長方形 85"/>
+          <p:cNvSpPr/>
+          <p:nvPr/>
+        </p:nvSpPr>
+        <p:spPr>
+          <a:xfrm>
+            <a:off x="2497015" y="4870595"/>
+            <a:ext cx="2152505" cy="2152505"/>
+          </a:xfrm>
+          <a:prstGeom prst="rect">
+            <a:avLst/>
+          </a:prstGeom>
+          <a:solidFill>
+            <a:schemeClr val="bg1"/>
+          </a:solidFill>
+          <a:ln>
+            <a:solidFill>
+              <a:schemeClr val="tx1"/>
+            </a:solidFill>
+          </a:ln>
+        </p:spPr>
+        <p:style>
+          <a:lnRef idx="2">
+            <a:schemeClr val="accent1">
+              <a:shade val="50000"/>
+            </a:schemeClr>
+          </a:lnRef>
+          <a:fillRef idx="1">
+            <a:schemeClr val="accent1"/>
+          </a:fillRef>
+          <a:effectRef idx="0">
+            <a:schemeClr val="accent1"/>
+          </a:effectRef>
+          <a:fontRef idx="minor">
+            <a:schemeClr val="lt1"/>
+          </a:fontRef>
+        </p:style>
+        <p:txBody>
+          <a:bodyPr rtlCol="0" anchor="ctr"/>
+          <a:lstStyle/>
+          <a:p>
+            <a:pPr algn="ctr"/>
+            <a:endParaRPr kumimoji="1" lang="ja-JP" altLang="en-US"/>
+          </a:p>
+        </p:txBody>
+      </p:sp>
+      <p:sp>
+        <p:nvSpPr>
+          <p:cNvPr id="89" name="正方形/長方形 88"/>
+          <p:cNvSpPr/>
+          <p:nvPr/>
+        </p:nvSpPr>
+        <p:spPr>
+          <a:xfrm>
+            <a:off x="4666649" y="2706587"/>
+            <a:ext cx="2152505" cy="2152505"/>
+          </a:xfrm>
+          <a:prstGeom prst="rect">
+            <a:avLst/>
+          </a:prstGeom>
+          <a:solidFill>
+            <a:schemeClr val="bg1"/>
+          </a:solidFill>
+          <a:ln>
+            <a:solidFill>
+              <a:schemeClr val="tx1"/>
+            </a:solidFill>
+          </a:ln>
+        </p:spPr>
+        <p:style>
+          <a:lnRef idx="2">
+            <a:schemeClr val="accent1">
+              <a:shade val="50000"/>
+            </a:schemeClr>
+          </a:lnRef>
+          <a:fillRef idx="1">
+            <a:schemeClr val="accent1"/>
+          </a:fillRef>
+          <a:effectRef idx="0">
+            <a:schemeClr val="accent1"/>
+          </a:effectRef>
+          <a:fontRef idx="minor">
+            <a:schemeClr val="lt1"/>
+          </a:fontRef>
+        </p:style>
+        <p:txBody>
+          <a:bodyPr rtlCol="0" anchor="ctr"/>
+          <a:lstStyle/>
+          <a:p>
+            <a:pPr algn="ctr"/>
+            <a:endParaRPr kumimoji="1" lang="ja-JP" altLang="en-US"/>
+          </a:p>
+        </p:txBody>
+      </p:sp>
+      <p:sp>
+        <p:nvSpPr>
+          <p:cNvPr id="90" name="正方形/長方形 89"/>
+          <p:cNvSpPr/>
+          <p:nvPr/>
+        </p:nvSpPr>
+        <p:spPr>
+          <a:xfrm>
+            <a:off x="6823583" y="2706587"/>
+            <a:ext cx="2152505" cy="2152505"/>
+          </a:xfrm>
+          <a:prstGeom prst="rect">
+            <a:avLst/>
+          </a:prstGeom>
+          <a:solidFill>
+            <a:schemeClr val="bg1"/>
+          </a:solidFill>
+          <a:ln>
+            <a:solidFill>
+              <a:schemeClr val="tx1"/>
+            </a:solidFill>
+          </a:ln>
+        </p:spPr>
+        <p:style>
+          <a:lnRef idx="2">
+            <a:schemeClr val="accent1">
+              <a:shade val="50000"/>
+            </a:schemeClr>
+          </a:lnRef>
+          <a:fillRef idx="1">
+            <a:schemeClr val="accent1"/>
+          </a:fillRef>
+          <a:effectRef idx="0">
+            <a:schemeClr val="accent1"/>
+          </a:effectRef>
+          <a:fontRef idx="minor">
+            <a:schemeClr val="lt1"/>
+          </a:fontRef>
+        </p:style>
+        <p:txBody>
+          <a:bodyPr rtlCol="0" anchor="ctr"/>
+          <a:lstStyle/>
+          <a:p>
+            <a:pPr algn="ctr"/>
+            <a:endParaRPr kumimoji="1" lang="ja-JP" altLang="en-US"/>
+          </a:p>
+        </p:txBody>
+      </p:sp>
+      <p:sp>
+        <p:nvSpPr>
+          <p:cNvPr id="91" name="正方形/長方形 90"/>
+          <p:cNvSpPr/>
+          <p:nvPr/>
+        </p:nvSpPr>
+        <p:spPr>
+          <a:xfrm>
+            <a:off x="4666649" y="4870595"/>
+            <a:ext cx="2152505" cy="2152505"/>
+          </a:xfrm>
+          <a:prstGeom prst="rect">
+            <a:avLst/>
+          </a:prstGeom>
+          <a:solidFill>
+            <a:schemeClr val="bg1"/>
+          </a:solidFill>
+          <a:ln>
+            <a:solidFill>
+              <a:schemeClr val="tx1"/>
+            </a:solidFill>
+          </a:ln>
+        </p:spPr>
+        <p:style>
+          <a:lnRef idx="2">
+            <a:schemeClr val="accent1">
+              <a:shade val="50000"/>
+            </a:schemeClr>
+          </a:lnRef>
+          <a:fillRef idx="1">
+            <a:schemeClr val="accent1"/>
+          </a:fillRef>
+          <a:effectRef idx="0">
+            <a:schemeClr val="accent1"/>
+          </a:effectRef>
+          <a:fontRef idx="minor">
+            <a:schemeClr val="lt1"/>
+          </a:fontRef>
+        </p:style>
+        <p:txBody>
+          <a:bodyPr rtlCol="0" anchor="ctr"/>
+          <a:lstStyle/>
+          <a:p>
+            <a:pPr algn="ctr"/>
+            <a:endParaRPr kumimoji="1" lang="ja-JP" altLang="en-US"/>
+          </a:p>
+        </p:txBody>
+      </p:sp>
+      <p:sp>
+        <p:nvSpPr>
+          <p:cNvPr id="92" name="正方形/長方形 91"/>
+          <p:cNvSpPr/>
+          <p:nvPr/>
+        </p:nvSpPr>
+        <p:spPr>
+          <a:xfrm>
+            <a:off x="6823583" y="4870595"/>
+            <a:ext cx="2152505" cy="2152505"/>
+          </a:xfrm>
+          <a:prstGeom prst="rect">
+            <a:avLst/>
+          </a:prstGeom>
+          <a:solidFill>
+            <a:schemeClr val="bg1"/>
+          </a:solidFill>
+          <a:ln>
+            <a:solidFill>
+              <a:schemeClr val="tx1"/>
+            </a:solidFill>
+          </a:ln>
+        </p:spPr>
+        <p:style>
+          <a:lnRef idx="2">
+            <a:schemeClr val="accent1">
+              <a:shade val="50000"/>
+            </a:schemeClr>
+          </a:lnRef>
+          <a:fillRef idx="1">
+            <a:schemeClr val="accent1"/>
+          </a:fillRef>
+          <a:effectRef idx="0">
+            <a:schemeClr val="accent1"/>
+          </a:effectRef>
+          <a:fontRef idx="minor">
+            <a:schemeClr val="lt1"/>
+          </a:fontRef>
+        </p:style>
+        <p:txBody>
+          <a:bodyPr rtlCol="0" anchor="ctr"/>
+          <a:lstStyle/>
+          <a:p>
+            <a:pPr algn="ctr"/>
+            <a:endParaRPr kumimoji="1" lang="ja-JP" altLang="en-US"/>
+          </a:p>
+        </p:txBody>
+      </p:sp>
+      <p:sp>
+        <p:nvSpPr>
+          <p:cNvPr id="94" name="正方形/長方形 93"/>
+          <p:cNvSpPr/>
+          <p:nvPr/>
+        </p:nvSpPr>
+        <p:spPr>
+          <a:xfrm>
+            <a:off x="8980517" y="2706587"/>
+            <a:ext cx="2152505" cy="2152505"/>
+          </a:xfrm>
+          <a:prstGeom prst="rect">
+            <a:avLst/>
+          </a:prstGeom>
+          <a:solidFill>
+            <a:schemeClr val="bg1"/>
+          </a:solidFill>
+          <a:ln>
+            <a:solidFill>
+              <a:schemeClr val="tx1"/>
+            </a:solidFill>
+          </a:ln>
+        </p:spPr>
+        <p:style>
+          <a:lnRef idx="2">
+            <a:schemeClr val="accent1">
+              <a:shade val="50000"/>
+            </a:schemeClr>
+          </a:lnRef>
+          <a:fillRef idx="1">
+            <a:schemeClr val="accent1"/>
+          </a:fillRef>
+          <a:effectRef idx="0">
+            <a:schemeClr val="accent1"/>
+          </a:effectRef>
+          <a:fontRef idx="minor">
+            <a:schemeClr val="lt1"/>
+          </a:fontRef>
+        </p:style>
+        <p:txBody>
+          <a:bodyPr rtlCol="0" anchor="ctr"/>
+          <a:lstStyle/>
+          <a:p>
+            <a:pPr algn="ctr"/>
+            <a:endParaRPr kumimoji="1" lang="ja-JP" altLang="en-US"/>
+          </a:p>
+        </p:txBody>
+      </p:sp>
+      <p:sp>
+        <p:nvSpPr>
+          <p:cNvPr id="95" name="正方形/長方形 94"/>
+          <p:cNvSpPr/>
+          <p:nvPr/>
+        </p:nvSpPr>
+        <p:spPr>
+          <a:xfrm>
+            <a:off x="8980517" y="4870595"/>
+            <a:ext cx="2152505" cy="2152505"/>
+          </a:xfrm>
+          <a:prstGeom prst="rect">
+            <a:avLst/>
+          </a:prstGeom>
+          <a:solidFill>
+            <a:schemeClr val="bg1"/>
+          </a:solidFill>
+          <a:ln>
+            <a:solidFill>
+              <a:schemeClr val="tx1"/>
+            </a:solidFill>
+          </a:ln>
+        </p:spPr>
+        <p:style>
+          <a:lnRef idx="2">
+            <a:schemeClr val="accent1">
+              <a:shade val="50000"/>
+            </a:schemeClr>
+          </a:lnRef>
+          <a:fillRef idx="1">
+            <a:schemeClr val="accent1"/>
+          </a:fillRef>
+          <a:effectRef idx="0">
+            <a:schemeClr val="accent1"/>
+          </a:effectRef>
+          <a:fontRef idx="minor">
+            <a:schemeClr val="lt1"/>
+          </a:fontRef>
+        </p:style>
+        <p:txBody>
+          <a:bodyPr rtlCol="0" anchor="ctr"/>
+          <a:lstStyle/>
+          <a:p>
+            <a:pPr algn="ctr"/>
+            <a:endParaRPr kumimoji="1" lang="ja-JP" altLang="en-US"/>
+          </a:p>
+        </p:txBody>
+      </p:sp>
+      <p:sp>
+        <p:nvSpPr>
+          <p:cNvPr id="26" name="正方形/長方形 25"/>
+          <p:cNvSpPr/>
+          <p:nvPr/>
+        </p:nvSpPr>
+        <p:spPr>
+          <a:xfrm>
+            <a:off x="5196168" y="1122960"/>
+            <a:ext cx="1069260" cy="1069260"/>
+          </a:xfrm>
+          <a:prstGeom prst="rect">
+            <a:avLst/>
+          </a:prstGeom>
+          <a:solidFill>
+            <a:schemeClr val="bg1"/>
+          </a:solidFill>
+          <a:ln>
+            <a:solidFill>
+              <a:schemeClr val="tx1"/>
+            </a:solidFill>
+          </a:ln>
+        </p:spPr>
+        <p:style>
+          <a:lnRef idx="2">
+            <a:schemeClr val="accent1">
+              <a:shade val="50000"/>
+            </a:schemeClr>
+          </a:lnRef>
+          <a:fillRef idx="1">
+            <a:schemeClr val="accent1"/>
+          </a:fillRef>
+          <a:effectRef idx="0">
+            <a:schemeClr val="accent1"/>
+          </a:effectRef>
+          <a:fontRef idx="minor">
+            <a:schemeClr val="lt1"/>
+          </a:fontRef>
+        </p:style>
+        <p:txBody>
+          <a:bodyPr rtlCol="0" anchor="ctr"/>
+          <a:lstStyle/>
+          <a:p>
+            <a:pPr algn="ctr"/>
+            <a:endParaRPr kumimoji="1" lang="ja-JP" altLang="en-US"/>
+          </a:p>
+        </p:txBody>
+      </p:sp>
+      <p:pic>
+        <p:nvPicPr>
+          <p:cNvPr id="25" name="図 24"/>
+          <p:cNvPicPr>
+            <a:picLocks noChangeAspect="1"/>
+          </p:cNvPicPr>
+          <p:nvPr/>
+        </p:nvPicPr>
+        <p:blipFill>
+          <a:blip r:embed="rId2"/>
+          <a:stretch>
+            <a:fillRect/>
+          </a:stretch>
+        </p:blipFill>
+        <p:spPr>
+          <a:xfrm rot="1820515">
+            <a:off x="972291" y="1315421"/>
+            <a:ext cx="1008872" cy="856415"/>
+          </a:xfrm>
+          <a:prstGeom prst="rect">
+            <a:avLst/>
+          </a:prstGeom>
+        </p:spPr>
+      </p:pic>
+      <p:pic>
+        <p:nvPicPr>
+          <p:cNvPr id="27" name="図 26"/>
+          <p:cNvPicPr>
+            <a:picLocks noChangeAspect="1"/>
+          </p:cNvPicPr>
+          <p:nvPr/>
+        </p:nvPicPr>
+        <p:blipFill>
+          <a:blip r:embed="rId3"/>
+          <a:stretch>
+            <a:fillRect/>
+          </a:stretch>
+        </p:blipFill>
+        <p:spPr>
+          <a:xfrm rot="1820515">
+            <a:off x="705540" y="5465269"/>
+            <a:ext cx="1008872" cy="843114"/>
+          </a:xfrm>
+          <a:prstGeom prst="rect">
+            <a:avLst/>
+          </a:prstGeom>
+        </p:spPr>
+      </p:pic>
+      <p:pic>
+        <p:nvPicPr>
+          <p:cNvPr id="28" name="図 27"/>
+          <p:cNvPicPr>
+            <a:picLocks noChangeAspect="1"/>
+          </p:cNvPicPr>
+          <p:nvPr/>
+        </p:nvPicPr>
+        <p:blipFill>
+          <a:blip r:embed="rId4"/>
+          <a:stretch>
+            <a:fillRect/>
+          </a:stretch>
+        </p:blipFill>
+        <p:spPr>
+          <a:xfrm rot="1820515">
+            <a:off x="2968913" y="5549233"/>
+            <a:ext cx="1008872" cy="802186"/>
+          </a:xfrm>
+          <a:prstGeom prst="rect">
+            <a:avLst/>
+          </a:prstGeom>
+        </p:spPr>
+      </p:pic>
+      <p:pic>
+        <p:nvPicPr>
+          <p:cNvPr id="29" name="図 28"/>
+          <p:cNvPicPr>
+            <a:picLocks noChangeAspect="1"/>
+          </p:cNvPicPr>
+          <p:nvPr/>
+        </p:nvPicPr>
+        <p:blipFill>
+          <a:blip r:embed="rId5"/>
+          <a:stretch>
+            <a:fillRect/>
+          </a:stretch>
+        </p:blipFill>
+        <p:spPr>
+          <a:xfrm rot="1820515">
+            <a:off x="5218719" y="5629706"/>
+            <a:ext cx="1008872" cy="742841"/>
+          </a:xfrm>
+          <a:prstGeom prst="rect">
+            <a:avLst/>
+          </a:prstGeom>
+        </p:spPr>
+      </p:pic>
+      <p:pic>
+        <p:nvPicPr>
+          <p:cNvPr id="30" name="図 29"/>
+          <p:cNvPicPr>
+            <a:picLocks noChangeAspect="1"/>
+          </p:cNvPicPr>
+          <p:nvPr/>
+        </p:nvPicPr>
+        <p:blipFill>
+          <a:blip r:embed="rId6"/>
+          <a:stretch>
+            <a:fillRect/>
+          </a:stretch>
+        </p:blipFill>
+        <p:spPr>
+          <a:xfrm rot="1820515">
+            <a:off x="7488537" y="5737715"/>
+            <a:ext cx="1008872" cy="653823"/>
+          </a:xfrm>
+          <a:prstGeom prst="rect">
+            <a:avLst/>
+          </a:prstGeom>
+        </p:spPr>
+      </p:pic>
+      <p:pic>
+        <p:nvPicPr>
+          <p:cNvPr id="31" name="図 30"/>
+          <p:cNvPicPr>
+            <a:picLocks noChangeAspect="1"/>
+          </p:cNvPicPr>
+          <p:nvPr/>
+        </p:nvPicPr>
+        <p:blipFill>
+          <a:blip r:embed="rId7"/>
+          <a:stretch>
+            <a:fillRect/>
+          </a:stretch>
+        </p:blipFill>
+        <p:spPr>
+          <a:xfrm rot="1820515">
+            <a:off x="9096614" y="5280819"/>
+            <a:ext cx="1174629" cy="856415"/>
+          </a:xfrm>
+          <a:prstGeom prst="rect">
+            <a:avLst/>
+          </a:prstGeom>
+        </p:spPr>
+      </p:pic>
+      <p:pic>
+        <p:nvPicPr>
+          <p:cNvPr id="32" name="図 31"/>
+          <p:cNvPicPr>
+            <a:picLocks noChangeAspect="1"/>
+          </p:cNvPicPr>
+          <p:nvPr/>
+        </p:nvPicPr>
+        <p:blipFill>
+          <a:blip r:embed="rId2"/>
+          <a:stretch>
+            <a:fillRect/>
+          </a:stretch>
+        </p:blipFill>
+        <p:spPr>
+          <a:xfrm>
+            <a:off x="5228355" y="1213821"/>
+            <a:ext cx="1008872" cy="856415"/>
+          </a:xfrm>
+          <a:prstGeom prst="rect">
+            <a:avLst/>
+          </a:prstGeom>
+        </p:spPr>
+      </p:pic>
+    </p:spTree>
+    <p:extLst>
+      <p:ext uri="{BB962C8B-B14F-4D97-AF65-F5344CB8AC3E}">
+        <p14:creationId xmlns:p14="http://schemas.microsoft.com/office/powerpoint/2010/main" val="2472639705"/>
+      </p:ext>
+    </p:extLst>
+  </p:cSld>
+  <p:clrMapOvr>
+    <a:masterClrMapping/>
+  </p:clrMapOvr>
+</p:sld>
+</file>
+
+<file path=ppt/slides/slide4.xml><?xml version="1.0" encoding="utf-8"?>
+<p:sld xmlns:a="http://schemas.openxmlformats.org/drawingml/2006/main" xmlns:r="http://schemas.openxmlformats.org/officeDocument/2006/relationships" xmlns:p="http://schemas.openxmlformats.org/presentationml/2006/main">
+  <p:cSld>
+    <p:spTree>
+      <p:nvGrpSpPr>
+        <p:cNvPr id="1" name=""/>
+        <p:cNvGrpSpPr/>
+        <p:nvPr/>
+      </p:nvGrpSpPr>
+      <p:grpSpPr>
+        <a:xfrm>
+          <a:off x="0" y="0"/>
+          <a:ext cx="0" cy="0"/>
+          <a:chOff x="0" y="0"/>
+          <a:chExt cx="0" cy="0"/>
+        </a:xfrm>
+      </p:grpSpPr>
       <p:pic>
         <p:nvPicPr>
           <p:cNvPr id="7" name="図 6"/>
@@ -5783,6 +6609,1493 @@
     <p:extLst>
       <p:ext uri="{BB962C8B-B14F-4D97-AF65-F5344CB8AC3E}">
         <p14:creationId xmlns:p14="http://schemas.microsoft.com/office/powerpoint/2010/main" val="4000206588"/>
+      </p:ext>
+    </p:extLst>
+  </p:cSld>
+  <p:clrMapOvr>
+    <a:masterClrMapping/>
+  </p:clrMapOvr>
+</p:sld>
+</file>
+
+<file path=ppt/slides/slide5.xml><?xml version="1.0" encoding="utf-8"?>
+<p:sld xmlns:a="http://schemas.openxmlformats.org/drawingml/2006/main" xmlns:r="http://schemas.openxmlformats.org/officeDocument/2006/relationships" xmlns:p="http://schemas.openxmlformats.org/presentationml/2006/main">
+  <p:cSld>
+    <p:spTree>
+      <p:nvGrpSpPr>
+        <p:cNvPr id="1" name=""/>
+        <p:cNvGrpSpPr/>
+        <p:nvPr/>
+      </p:nvGrpSpPr>
+      <p:grpSpPr>
+        <a:xfrm>
+          <a:off x="0" y="0"/>
+          <a:ext cx="0" cy="0"/>
+          <a:chOff x="0" y="0"/>
+          <a:chExt cx="0" cy="0"/>
+        </a:xfrm>
+      </p:grpSpPr>
+      <p:cxnSp>
+        <p:nvCxnSpPr>
+          <p:cNvPr id="33" name="直線コネクタ 32"/>
+          <p:cNvCxnSpPr/>
+          <p:nvPr/>
+        </p:nvCxnSpPr>
+        <p:spPr>
+          <a:xfrm rot="21000000" flipH="1">
+            <a:off x="12038558" y="572251"/>
+            <a:ext cx="9525" cy="2492062"/>
+          </a:xfrm>
+          <a:prstGeom prst="line">
+            <a:avLst/>
+          </a:prstGeom>
+          <a:ln w="38100">
+            <a:solidFill>
+              <a:schemeClr val="bg1">
+                <a:lumMod val="65000"/>
+              </a:schemeClr>
+            </a:solidFill>
+          </a:ln>
+        </p:spPr>
+        <p:style>
+          <a:lnRef idx="1">
+            <a:schemeClr val="accent1"/>
+          </a:lnRef>
+          <a:fillRef idx="0">
+            <a:schemeClr val="accent1"/>
+          </a:fillRef>
+          <a:effectRef idx="0">
+            <a:schemeClr val="accent1"/>
+          </a:effectRef>
+          <a:fontRef idx="minor">
+            <a:schemeClr val="tx1"/>
+          </a:fontRef>
+        </p:style>
+      </p:cxnSp>
+      <p:sp>
+        <p:nvSpPr>
+          <p:cNvPr id="2" name="月 1"/>
+          <p:cNvSpPr/>
+          <p:nvPr/>
+        </p:nvSpPr>
+        <p:spPr>
+          <a:xfrm>
+            <a:off x="2422919" y="554149"/>
+            <a:ext cx="1004105" cy="4984124"/>
+          </a:xfrm>
+          <a:prstGeom prst="moon">
+            <a:avLst>
+              <a:gd name="adj" fmla="val 21698"/>
+            </a:avLst>
+          </a:prstGeom>
+          <a:solidFill>
+            <a:schemeClr val="accent4">
+              <a:lumMod val="75000"/>
+            </a:schemeClr>
+          </a:solidFill>
+          <a:ln>
+            <a:noFill/>
+          </a:ln>
+          <a:effectLst>
+            <a:outerShdw blurRad="44450" dist="27940" dir="5400000" algn="ctr">
+              <a:srgbClr val="000000">
+                <a:alpha val="32000"/>
+              </a:srgbClr>
+            </a:outerShdw>
+          </a:effectLst>
+          <a:scene3d>
+            <a:camera prst="orthographicFront">
+              <a:rot lat="0" lon="0" rev="0"/>
+            </a:camera>
+            <a:lightRig rig="balanced" dir="t">
+              <a:rot lat="0" lon="0" rev="8700000"/>
+            </a:lightRig>
+          </a:scene3d>
+          <a:sp3d>
+            <a:bevelT w="190500" h="38100"/>
+          </a:sp3d>
+        </p:spPr>
+        <p:style>
+          <a:lnRef idx="2">
+            <a:schemeClr val="accent1">
+              <a:shade val="50000"/>
+            </a:schemeClr>
+          </a:lnRef>
+          <a:fillRef idx="1">
+            <a:schemeClr val="accent1"/>
+          </a:fillRef>
+          <a:effectRef idx="0">
+            <a:schemeClr val="accent1"/>
+          </a:effectRef>
+          <a:fontRef idx="minor">
+            <a:schemeClr val="lt1"/>
+          </a:fontRef>
+        </p:style>
+        <p:txBody>
+          <a:bodyPr rtlCol="0" anchor="ctr"/>
+          <a:lstStyle/>
+          <a:p>
+            <a:pPr algn="ctr"/>
+            <a:endParaRPr kumimoji="1" lang="ja-JP" altLang="en-US"/>
+          </a:p>
+        </p:txBody>
+      </p:sp>
+      <p:sp>
+        <p:nvSpPr>
+          <p:cNvPr id="3" name="月 2"/>
+          <p:cNvSpPr/>
+          <p:nvPr/>
+        </p:nvSpPr>
+        <p:spPr>
+          <a:xfrm>
+            <a:off x="2604188" y="554149"/>
+            <a:ext cx="841886" cy="4984124"/>
+          </a:xfrm>
+          <a:prstGeom prst="moon">
+            <a:avLst>
+              <a:gd name="adj" fmla="val 13325"/>
+            </a:avLst>
+          </a:prstGeom>
+          <a:solidFill>
+            <a:schemeClr val="accent4">
+              <a:lumMod val="50000"/>
+            </a:schemeClr>
+          </a:solidFill>
+          <a:ln>
+            <a:noFill/>
+          </a:ln>
+          <a:effectLst>
+            <a:outerShdw blurRad="44450" dist="27940" dir="5400000" algn="ctr">
+              <a:srgbClr val="000000">
+                <a:alpha val="32000"/>
+              </a:srgbClr>
+            </a:outerShdw>
+          </a:effectLst>
+          <a:scene3d>
+            <a:camera prst="orthographicFront">
+              <a:rot lat="0" lon="0" rev="0"/>
+            </a:camera>
+            <a:lightRig rig="balanced" dir="t">
+              <a:rot lat="0" lon="0" rev="8700000"/>
+            </a:lightRig>
+          </a:scene3d>
+          <a:sp3d>
+            <a:bevelT w="190500" h="38100"/>
+          </a:sp3d>
+        </p:spPr>
+        <p:style>
+          <a:lnRef idx="2">
+            <a:schemeClr val="accent1">
+              <a:shade val="50000"/>
+            </a:schemeClr>
+          </a:lnRef>
+          <a:fillRef idx="1">
+            <a:schemeClr val="accent1"/>
+          </a:fillRef>
+          <a:effectRef idx="0">
+            <a:schemeClr val="accent1"/>
+          </a:effectRef>
+          <a:fontRef idx="minor">
+            <a:schemeClr val="lt1"/>
+          </a:fontRef>
+        </p:style>
+        <p:txBody>
+          <a:bodyPr rtlCol="0" anchor="ctr"/>
+          <a:lstStyle/>
+          <a:p>
+            <a:pPr algn="ctr"/>
+            <a:endParaRPr kumimoji="1" lang="ja-JP" altLang="en-US"/>
+          </a:p>
+        </p:txBody>
+      </p:sp>
+      <p:cxnSp>
+        <p:nvCxnSpPr>
+          <p:cNvPr id="5" name="直線コネクタ 4"/>
+          <p:cNvCxnSpPr>
+            <a:stCxn id="3" idx="0"/>
+            <a:endCxn id="2" idx="2"/>
+          </p:cNvCxnSpPr>
+          <p:nvPr/>
+        </p:nvCxnSpPr>
+        <p:spPr>
+          <a:xfrm flipH="1">
+            <a:off x="3427024" y="554149"/>
+            <a:ext cx="19050" cy="4984124"/>
+          </a:xfrm>
+          <a:prstGeom prst="line">
+            <a:avLst/>
+          </a:prstGeom>
+          <a:ln w="38100">
+            <a:solidFill>
+              <a:schemeClr val="bg1">
+                <a:lumMod val="65000"/>
+              </a:schemeClr>
+            </a:solidFill>
+          </a:ln>
+        </p:spPr>
+        <p:style>
+          <a:lnRef idx="1">
+            <a:schemeClr val="accent1"/>
+          </a:lnRef>
+          <a:fillRef idx="0">
+            <a:schemeClr val="accent1"/>
+          </a:fillRef>
+          <a:effectRef idx="0">
+            <a:schemeClr val="accent1"/>
+          </a:effectRef>
+          <a:fontRef idx="minor">
+            <a:schemeClr val="tx1"/>
+          </a:fontRef>
+        </p:style>
+      </p:cxnSp>
+      <p:sp>
+        <p:nvSpPr>
+          <p:cNvPr id="7" name="正方形/長方形 6"/>
+          <p:cNvSpPr/>
+          <p:nvPr/>
+        </p:nvSpPr>
+        <p:spPr>
+          <a:xfrm>
+            <a:off x="622300" y="3001056"/>
+            <a:ext cx="4493019" cy="97744"/>
+          </a:xfrm>
+          <a:prstGeom prst="rect">
+            <a:avLst/>
+          </a:prstGeom>
+          <a:solidFill>
+            <a:schemeClr val="accent4">
+              <a:lumMod val="60000"/>
+              <a:lumOff val="40000"/>
+            </a:schemeClr>
+          </a:solidFill>
+          <a:ln>
+            <a:noFill/>
+          </a:ln>
+          <a:effectLst>
+            <a:outerShdw blurRad="44450" dist="27940" dir="5400000" algn="ctr">
+              <a:srgbClr val="000000">
+                <a:alpha val="32000"/>
+              </a:srgbClr>
+            </a:outerShdw>
+          </a:effectLst>
+          <a:scene3d>
+            <a:camera prst="orthographicFront">
+              <a:rot lat="0" lon="0" rev="0"/>
+            </a:camera>
+            <a:lightRig rig="balanced" dir="t">
+              <a:rot lat="0" lon="0" rev="8700000"/>
+            </a:lightRig>
+          </a:scene3d>
+          <a:sp3d>
+            <a:bevelT w="190500" h="38100"/>
+          </a:sp3d>
+        </p:spPr>
+        <p:style>
+          <a:lnRef idx="2">
+            <a:schemeClr val="accent1">
+              <a:shade val="50000"/>
+            </a:schemeClr>
+          </a:lnRef>
+          <a:fillRef idx="1">
+            <a:schemeClr val="accent1"/>
+          </a:fillRef>
+          <a:effectRef idx="0">
+            <a:schemeClr val="accent1"/>
+          </a:effectRef>
+          <a:fontRef idx="minor">
+            <a:schemeClr val="lt1"/>
+          </a:fontRef>
+        </p:style>
+        <p:txBody>
+          <a:bodyPr rtlCol="0" anchor="ctr"/>
+          <a:lstStyle/>
+          <a:p>
+            <a:pPr algn="ctr"/>
+            <a:endParaRPr kumimoji="1" lang="ja-JP" altLang="en-US"/>
+          </a:p>
+        </p:txBody>
+      </p:sp>
+      <p:sp>
+        <p:nvSpPr>
+          <p:cNvPr id="8" name="二等辺三角形 7"/>
+          <p:cNvSpPr/>
+          <p:nvPr/>
+        </p:nvSpPr>
+        <p:spPr>
+          <a:xfrm rot="16200000">
+            <a:off x="171450" y="2735061"/>
+            <a:ext cx="279400" cy="622300"/>
+          </a:xfrm>
+          <a:prstGeom prst="triangle">
+            <a:avLst/>
+          </a:prstGeom>
+          <a:solidFill>
+            <a:schemeClr val="bg1">
+              <a:lumMod val="65000"/>
+            </a:schemeClr>
+          </a:solidFill>
+          <a:ln>
+            <a:noFill/>
+          </a:ln>
+          <a:effectLst>
+            <a:outerShdw blurRad="44450" dist="27940" dir="5400000" algn="ctr">
+              <a:srgbClr val="000000">
+                <a:alpha val="32000"/>
+              </a:srgbClr>
+            </a:outerShdw>
+          </a:effectLst>
+          <a:scene3d>
+            <a:camera prst="orthographicFront">
+              <a:rot lat="0" lon="0" rev="0"/>
+            </a:camera>
+            <a:lightRig rig="balanced" dir="t">
+              <a:rot lat="0" lon="0" rev="8700000"/>
+            </a:lightRig>
+          </a:scene3d>
+          <a:sp3d>
+            <a:bevelT w="190500" h="38100"/>
+          </a:sp3d>
+        </p:spPr>
+        <p:style>
+          <a:lnRef idx="2">
+            <a:schemeClr val="accent1">
+              <a:shade val="50000"/>
+            </a:schemeClr>
+          </a:lnRef>
+          <a:fillRef idx="1">
+            <a:schemeClr val="accent1"/>
+          </a:fillRef>
+          <a:effectRef idx="0">
+            <a:schemeClr val="accent1"/>
+          </a:effectRef>
+          <a:fontRef idx="minor">
+            <a:schemeClr val="lt1"/>
+          </a:fontRef>
+        </p:style>
+        <p:txBody>
+          <a:bodyPr rtlCol="0" anchor="ctr"/>
+          <a:lstStyle/>
+          <a:p>
+            <a:pPr algn="ctr"/>
+            <a:endParaRPr kumimoji="1" lang="ja-JP" altLang="en-US"/>
+          </a:p>
+        </p:txBody>
+      </p:sp>
+      <p:sp>
+        <p:nvSpPr>
+          <p:cNvPr id="15" name="平行四辺形 14"/>
+          <p:cNvSpPr/>
+          <p:nvPr/>
+        </p:nvSpPr>
+        <p:spPr>
+          <a:xfrm>
+            <a:off x="5098656" y="2812345"/>
+            <a:ext cx="289319" cy="236336"/>
+          </a:xfrm>
+          <a:prstGeom prst="parallelogram">
+            <a:avLst>
+              <a:gd name="adj" fmla="val 48046"/>
+            </a:avLst>
+          </a:prstGeom>
+          <a:solidFill>
+            <a:schemeClr val="accent2">
+              <a:lumMod val="60000"/>
+              <a:lumOff val="40000"/>
+            </a:schemeClr>
+          </a:solidFill>
+          <a:ln>
+            <a:noFill/>
+          </a:ln>
+          <a:effectLst>
+            <a:outerShdw blurRad="44450" dist="27940" dir="5400000" algn="ctr">
+              <a:srgbClr val="000000">
+                <a:alpha val="32000"/>
+              </a:srgbClr>
+            </a:outerShdw>
+          </a:effectLst>
+          <a:scene3d>
+            <a:camera prst="orthographicFront">
+              <a:rot lat="0" lon="0" rev="0"/>
+            </a:camera>
+            <a:lightRig rig="balanced" dir="t">
+              <a:rot lat="0" lon="0" rev="8700000"/>
+            </a:lightRig>
+          </a:scene3d>
+          <a:sp3d>
+            <a:bevelT w="190500" h="38100"/>
+          </a:sp3d>
+        </p:spPr>
+        <p:style>
+          <a:lnRef idx="2">
+            <a:schemeClr val="accent1">
+              <a:shade val="50000"/>
+            </a:schemeClr>
+          </a:lnRef>
+          <a:fillRef idx="1">
+            <a:schemeClr val="accent1"/>
+          </a:fillRef>
+          <a:effectRef idx="0">
+            <a:schemeClr val="accent1"/>
+          </a:effectRef>
+          <a:fontRef idx="minor">
+            <a:schemeClr val="lt1"/>
+          </a:fontRef>
+        </p:style>
+        <p:txBody>
+          <a:bodyPr rtlCol="0" anchor="ctr"/>
+          <a:lstStyle/>
+          <a:p>
+            <a:pPr algn="ctr"/>
+            <a:endParaRPr kumimoji="1" lang="ja-JP" altLang="en-US"/>
+          </a:p>
+        </p:txBody>
+      </p:sp>
+      <p:sp>
+        <p:nvSpPr>
+          <p:cNvPr id="16" name="平行四辺形 15"/>
+          <p:cNvSpPr/>
+          <p:nvPr/>
+        </p:nvSpPr>
+        <p:spPr>
+          <a:xfrm>
+            <a:off x="5274363" y="2812345"/>
+            <a:ext cx="289319" cy="236336"/>
+          </a:xfrm>
+          <a:prstGeom prst="parallelogram">
+            <a:avLst>
+              <a:gd name="adj" fmla="val 48046"/>
+            </a:avLst>
+          </a:prstGeom>
+          <a:solidFill>
+            <a:schemeClr val="accent2">
+              <a:lumMod val="60000"/>
+              <a:lumOff val="40000"/>
+            </a:schemeClr>
+          </a:solidFill>
+          <a:ln>
+            <a:noFill/>
+          </a:ln>
+          <a:effectLst>
+            <a:outerShdw blurRad="44450" dist="27940" dir="5400000" algn="ctr">
+              <a:srgbClr val="000000">
+                <a:alpha val="32000"/>
+              </a:srgbClr>
+            </a:outerShdw>
+          </a:effectLst>
+          <a:scene3d>
+            <a:camera prst="orthographicFront">
+              <a:rot lat="0" lon="0" rev="0"/>
+            </a:camera>
+            <a:lightRig rig="balanced" dir="t">
+              <a:rot lat="0" lon="0" rev="8700000"/>
+            </a:lightRig>
+          </a:scene3d>
+          <a:sp3d>
+            <a:bevelT w="190500" h="38100"/>
+          </a:sp3d>
+        </p:spPr>
+        <p:style>
+          <a:lnRef idx="2">
+            <a:schemeClr val="accent1">
+              <a:shade val="50000"/>
+            </a:schemeClr>
+          </a:lnRef>
+          <a:fillRef idx="1">
+            <a:schemeClr val="accent1"/>
+          </a:fillRef>
+          <a:effectRef idx="0">
+            <a:schemeClr val="accent1"/>
+          </a:effectRef>
+          <a:fontRef idx="minor">
+            <a:schemeClr val="lt1"/>
+          </a:fontRef>
+        </p:style>
+        <p:txBody>
+          <a:bodyPr rtlCol="0" anchor="ctr"/>
+          <a:lstStyle/>
+          <a:p>
+            <a:pPr algn="ctr"/>
+            <a:endParaRPr kumimoji="1" lang="ja-JP" altLang="en-US"/>
+          </a:p>
+        </p:txBody>
+      </p:sp>
+      <p:sp>
+        <p:nvSpPr>
+          <p:cNvPr id="17" name="平行四辺形 16"/>
+          <p:cNvSpPr/>
+          <p:nvPr/>
+        </p:nvSpPr>
+        <p:spPr>
+          <a:xfrm>
+            <a:off x="5453291" y="2812345"/>
+            <a:ext cx="289319" cy="236336"/>
+          </a:xfrm>
+          <a:prstGeom prst="parallelogram">
+            <a:avLst>
+              <a:gd name="adj" fmla="val 48046"/>
+            </a:avLst>
+          </a:prstGeom>
+          <a:solidFill>
+            <a:schemeClr val="accent2">
+              <a:lumMod val="60000"/>
+              <a:lumOff val="40000"/>
+            </a:schemeClr>
+          </a:solidFill>
+          <a:ln>
+            <a:noFill/>
+          </a:ln>
+          <a:effectLst>
+            <a:outerShdw blurRad="44450" dist="27940" dir="5400000" algn="ctr">
+              <a:srgbClr val="000000">
+                <a:alpha val="32000"/>
+              </a:srgbClr>
+            </a:outerShdw>
+          </a:effectLst>
+          <a:scene3d>
+            <a:camera prst="orthographicFront">
+              <a:rot lat="0" lon="0" rev="0"/>
+            </a:camera>
+            <a:lightRig rig="balanced" dir="t">
+              <a:rot lat="0" lon="0" rev="8700000"/>
+            </a:lightRig>
+          </a:scene3d>
+          <a:sp3d>
+            <a:bevelT w="190500" h="38100"/>
+          </a:sp3d>
+        </p:spPr>
+        <p:style>
+          <a:lnRef idx="2">
+            <a:schemeClr val="accent1">
+              <a:shade val="50000"/>
+            </a:schemeClr>
+          </a:lnRef>
+          <a:fillRef idx="1">
+            <a:schemeClr val="accent1"/>
+          </a:fillRef>
+          <a:effectRef idx="0">
+            <a:schemeClr val="accent1"/>
+          </a:effectRef>
+          <a:fontRef idx="minor">
+            <a:schemeClr val="lt1"/>
+          </a:fontRef>
+        </p:style>
+        <p:txBody>
+          <a:bodyPr rtlCol="0" anchor="ctr"/>
+          <a:lstStyle/>
+          <a:p>
+            <a:pPr algn="ctr"/>
+            <a:endParaRPr kumimoji="1" lang="ja-JP" altLang="en-US"/>
+          </a:p>
+        </p:txBody>
+      </p:sp>
+      <p:sp>
+        <p:nvSpPr>
+          <p:cNvPr id="18" name="平行四辺形 17"/>
+          <p:cNvSpPr/>
+          <p:nvPr/>
+        </p:nvSpPr>
+        <p:spPr>
+          <a:xfrm>
+            <a:off x="5628998" y="2812345"/>
+            <a:ext cx="289319" cy="236336"/>
+          </a:xfrm>
+          <a:prstGeom prst="parallelogram">
+            <a:avLst>
+              <a:gd name="adj" fmla="val 48046"/>
+            </a:avLst>
+          </a:prstGeom>
+          <a:solidFill>
+            <a:schemeClr val="accent2">
+              <a:lumMod val="60000"/>
+              <a:lumOff val="40000"/>
+            </a:schemeClr>
+          </a:solidFill>
+          <a:ln>
+            <a:noFill/>
+          </a:ln>
+          <a:effectLst>
+            <a:outerShdw blurRad="44450" dist="27940" dir="5400000" algn="ctr">
+              <a:srgbClr val="000000">
+                <a:alpha val="32000"/>
+              </a:srgbClr>
+            </a:outerShdw>
+          </a:effectLst>
+          <a:scene3d>
+            <a:camera prst="orthographicFront">
+              <a:rot lat="0" lon="0" rev="0"/>
+            </a:camera>
+            <a:lightRig rig="balanced" dir="t">
+              <a:rot lat="0" lon="0" rev="8700000"/>
+            </a:lightRig>
+          </a:scene3d>
+          <a:sp3d>
+            <a:bevelT w="190500" h="38100"/>
+          </a:sp3d>
+        </p:spPr>
+        <p:style>
+          <a:lnRef idx="2">
+            <a:schemeClr val="accent1">
+              <a:shade val="50000"/>
+            </a:schemeClr>
+          </a:lnRef>
+          <a:fillRef idx="1">
+            <a:schemeClr val="accent1"/>
+          </a:fillRef>
+          <a:effectRef idx="0">
+            <a:schemeClr val="accent1"/>
+          </a:effectRef>
+          <a:fontRef idx="minor">
+            <a:schemeClr val="lt1"/>
+          </a:fontRef>
+        </p:style>
+        <p:txBody>
+          <a:bodyPr rtlCol="0" anchor="ctr"/>
+          <a:lstStyle/>
+          <a:p>
+            <a:pPr algn="ctr"/>
+            <a:endParaRPr kumimoji="1" lang="ja-JP" altLang="en-US"/>
+          </a:p>
+        </p:txBody>
+      </p:sp>
+      <p:sp>
+        <p:nvSpPr>
+          <p:cNvPr id="19" name="平行四辺形 18"/>
+          <p:cNvSpPr/>
+          <p:nvPr/>
+        </p:nvSpPr>
+        <p:spPr>
+          <a:xfrm flipV="1">
+            <a:off x="5098656" y="3048681"/>
+            <a:ext cx="289319" cy="236336"/>
+          </a:xfrm>
+          <a:prstGeom prst="parallelogram">
+            <a:avLst>
+              <a:gd name="adj" fmla="val 48046"/>
+            </a:avLst>
+          </a:prstGeom>
+          <a:solidFill>
+            <a:schemeClr val="accent2">
+              <a:lumMod val="60000"/>
+              <a:lumOff val="40000"/>
+            </a:schemeClr>
+          </a:solidFill>
+          <a:ln>
+            <a:noFill/>
+          </a:ln>
+          <a:effectLst>
+            <a:outerShdw blurRad="44450" dist="27940" dir="5400000" algn="ctr">
+              <a:srgbClr val="000000">
+                <a:alpha val="32000"/>
+              </a:srgbClr>
+            </a:outerShdw>
+          </a:effectLst>
+          <a:scene3d>
+            <a:camera prst="orthographicFront">
+              <a:rot lat="0" lon="0" rev="0"/>
+            </a:camera>
+            <a:lightRig rig="balanced" dir="t">
+              <a:rot lat="0" lon="0" rev="8700000"/>
+            </a:lightRig>
+          </a:scene3d>
+          <a:sp3d>
+            <a:bevelT w="190500" h="38100"/>
+          </a:sp3d>
+        </p:spPr>
+        <p:style>
+          <a:lnRef idx="2">
+            <a:schemeClr val="accent1">
+              <a:shade val="50000"/>
+            </a:schemeClr>
+          </a:lnRef>
+          <a:fillRef idx="1">
+            <a:schemeClr val="accent1"/>
+          </a:fillRef>
+          <a:effectRef idx="0">
+            <a:schemeClr val="accent1"/>
+          </a:effectRef>
+          <a:fontRef idx="minor">
+            <a:schemeClr val="lt1"/>
+          </a:fontRef>
+        </p:style>
+        <p:txBody>
+          <a:bodyPr rtlCol="0" anchor="ctr"/>
+          <a:lstStyle/>
+          <a:p>
+            <a:pPr algn="ctr"/>
+            <a:endParaRPr kumimoji="1" lang="ja-JP" altLang="en-US"/>
+          </a:p>
+        </p:txBody>
+      </p:sp>
+      <p:sp>
+        <p:nvSpPr>
+          <p:cNvPr id="20" name="平行四辺形 19"/>
+          <p:cNvSpPr/>
+          <p:nvPr/>
+        </p:nvSpPr>
+        <p:spPr>
+          <a:xfrm flipV="1">
+            <a:off x="5274363" y="3048681"/>
+            <a:ext cx="289319" cy="236336"/>
+          </a:xfrm>
+          <a:prstGeom prst="parallelogram">
+            <a:avLst>
+              <a:gd name="adj" fmla="val 48046"/>
+            </a:avLst>
+          </a:prstGeom>
+          <a:solidFill>
+            <a:schemeClr val="accent2">
+              <a:lumMod val="60000"/>
+              <a:lumOff val="40000"/>
+            </a:schemeClr>
+          </a:solidFill>
+          <a:ln>
+            <a:noFill/>
+          </a:ln>
+          <a:effectLst>
+            <a:outerShdw blurRad="44450" dist="27940" dir="5400000" algn="ctr">
+              <a:srgbClr val="000000">
+                <a:alpha val="32000"/>
+              </a:srgbClr>
+            </a:outerShdw>
+          </a:effectLst>
+          <a:scene3d>
+            <a:camera prst="orthographicFront">
+              <a:rot lat="0" lon="0" rev="0"/>
+            </a:camera>
+            <a:lightRig rig="balanced" dir="t">
+              <a:rot lat="0" lon="0" rev="8700000"/>
+            </a:lightRig>
+          </a:scene3d>
+          <a:sp3d>
+            <a:bevelT w="190500" h="38100"/>
+          </a:sp3d>
+        </p:spPr>
+        <p:style>
+          <a:lnRef idx="2">
+            <a:schemeClr val="accent1">
+              <a:shade val="50000"/>
+            </a:schemeClr>
+          </a:lnRef>
+          <a:fillRef idx="1">
+            <a:schemeClr val="accent1"/>
+          </a:fillRef>
+          <a:effectRef idx="0">
+            <a:schemeClr val="accent1"/>
+          </a:effectRef>
+          <a:fontRef idx="minor">
+            <a:schemeClr val="lt1"/>
+          </a:fontRef>
+        </p:style>
+        <p:txBody>
+          <a:bodyPr rtlCol="0" anchor="ctr"/>
+          <a:lstStyle/>
+          <a:p>
+            <a:pPr algn="ctr"/>
+            <a:endParaRPr kumimoji="1" lang="ja-JP" altLang="en-US"/>
+          </a:p>
+        </p:txBody>
+      </p:sp>
+      <p:sp>
+        <p:nvSpPr>
+          <p:cNvPr id="21" name="平行四辺形 20"/>
+          <p:cNvSpPr/>
+          <p:nvPr/>
+        </p:nvSpPr>
+        <p:spPr>
+          <a:xfrm flipV="1">
+            <a:off x="5453291" y="3048681"/>
+            <a:ext cx="289319" cy="236336"/>
+          </a:xfrm>
+          <a:prstGeom prst="parallelogram">
+            <a:avLst>
+              <a:gd name="adj" fmla="val 48046"/>
+            </a:avLst>
+          </a:prstGeom>
+          <a:solidFill>
+            <a:schemeClr val="accent2">
+              <a:lumMod val="60000"/>
+              <a:lumOff val="40000"/>
+            </a:schemeClr>
+          </a:solidFill>
+          <a:ln>
+            <a:noFill/>
+          </a:ln>
+          <a:effectLst>
+            <a:outerShdw blurRad="44450" dist="27940" dir="5400000" algn="ctr">
+              <a:srgbClr val="000000">
+                <a:alpha val="32000"/>
+              </a:srgbClr>
+            </a:outerShdw>
+          </a:effectLst>
+          <a:scene3d>
+            <a:camera prst="orthographicFront">
+              <a:rot lat="0" lon="0" rev="0"/>
+            </a:camera>
+            <a:lightRig rig="balanced" dir="t">
+              <a:rot lat="0" lon="0" rev="8700000"/>
+            </a:lightRig>
+          </a:scene3d>
+          <a:sp3d>
+            <a:bevelT w="190500" h="38100"/>
+          </a:sp3d>
+        </p:spPr>
+        <p:style>
+          <a:lnRef idx="2">
+            <a:schemeClr val="accent1">
+              <a:shade val="50000"/>
+            </a:schemeClr>
+          </a:lnRef>
+          <a:fillRef idx="1">
+            <a:schemeClr val="accent1"/>
+          </a:fillRef>
+          <a:effectRef idx="0">
+            <a:schemeClr val="accent1"/>
+          </a:effectRef>
+          <a:fontRef idx="minor">
+            <a:schemeClr val="lt1"/>
+          </a:fontRef>
+        </p:style>
+        <p:txBody>
+          <a:bodyPr rtlCol="0" anchor="ctr"/>
+          <a:lstStyle/>
+          <a:p>
+            <a:pPr algn="ctr"/>
+            <a:endParaRPr kumimoji="1" lang="ja-JP" altLang="en-US"/>
+          </a:p>
+        </p:txBody>
+      </p:sp>
+      <p:sp>
+        <p:nvSpPr>
+          <p:cNvPr id="22" name="平行四辺形 21"/>
+          <p:cNvSpPr/>
+          <p:nvPr/>
+        </p:nvSpPr>
+        <p:spPr>
+          <a:xfrm flipV="1">
+            <a:off x="5628998" y="3048681"/>
+            <a:ext cx="289319" cy="236336"/>
+          </a:xfrm>
+          <a:prstGeom prst="parallelogram">
+            <a:avLst>
+              <a:gd name="adj" fmla="val 48046"/>
+            </a:avLst>
+          </a:prstGeom>
+          <a:solidFill>
+            <a:schemeClr val="accent2">
+              <a:lumMod val="60000"/>
+              <a:lumOff val="40000"/>
+            </a:schemeClr>
+          </a:solidFill>
+          <a:ln>
+            <a:noFill/>
+          </a:ln>
+          <a:effectLst>
+            <a:outerShdw blurRad="44450" dist="27940" dir="5400000" algn="ctr">
+              <a:srgbClr val="000000">
+                <a:alpha val="32000"/>
+              </a:srgbClr>
+            </a:outerShdw>
+          </a:effectLst>
+          <a:scene3d>
+            <a:camera prst="orthographicFront">
+              <a:rot lat="0" lon="0" rev="0"/>
+            </a:camera>
+            <a:lightRig rig="balanced" dir="t">
+              <a:rot lat="0" lon="0" rev="8700000"/>
+            </a:lightRig>
+          </a:scene3d>
+          <a:sp3d>
+            <a:bevelT w="190500" h="38100"/>
+          </a:sp3d>
+        </p:spPr>
+        <p:style>
+          <a:lnRef idx="2">
+            <a:schemeClr val="accent1">
+              <a:shade val="50000"/>
+            </a:schemeClr>
+          </a:lnRef>
+          <a:fillRef idx="1">
+            <a:schemeClr val="accent1"/>
+          </a:fillRef>
+          <a:effectRef idx="0">
+            <a:schemeClr val="accent1"/>
+          </a:effectRef>
+          <a:fontRef idx="minor">
+            <a:schemeClr val="lt1"/>
+          </a:fontRef>
+        </p:style>
+        <p:txBody>
+          <a:bodyPr rtlCol="0" anchor="ctr"/>
+          <a:lstStyle/>
+          <a:p>
+            <a:pPr algn="ctr"/>
+            <a:endParaRPr kumimoji="1" lang="ja-JP" altLang="en-US"/>
+          </a:p>
+        </p:txBody>
+      </p:sp>
+      <p:pic>
+        <p:nvPicPr>
+          <p:cNvPr id="23" name="図 22"/>
+          <p:cNvPicPr>
+            <a:picLocks/>
+          </p:cNvPicPr>
+          <p:nvPr/>
+        </p:nvPicPr>
+        <p:blipFill>
+          <a:blip r:embed="rId2"/>
+          <a:stretch>
+            <a:fillRect/>
+          </a:stretch>
+        </p:blipFill>
+        <p:spPr>
+          <a:xfrm>
+            <a:off x="10672168" y="554149"/>
+            <a:ext cx="1224000" cy="5022000"/>
+          </a:xfrm>
+          <a:prstGeom prst="rect">
+            <a:avLst/>
+          </a:prstGeom>
+        </p:spPr>
+      </p:pic>
+      <p:pic>
+        <p:nvPicPr>
+          <p:cNvPr id="24" name="図 23"/>
+          <p:cNvPicPr>
+            <a:picLocks noChangeAspect="1"/>
+          </p:cNvPicPr>
+          <p:nvPr/>
+        </p:nvPicPr>
+        <p:blipFill>
+          <a:blip r:embed="rId3"/>
+          <a:stretch>
+            <a:fillRect/>
+          </a:stretch>
+        </p:blipFill>
+        <p:spPr>
+          <a:xfrm>
+            <a:off x="6417811" y="2777964"/>
+            <a:ext cx="6011177" cy="536494"/>
+          </a:xfrm>
+          <a:prstGeom prst="rect">
+            <a:avLst/>
+          </a:prstGeom>
+        </p:spPr>
+      </p:pic>
+      <p:cxnSp>
+        <p:nvCxnSpPr>
+          <p:cNvPr id="34" name="直線コネクタ 33"/>
+          <p:cNvCxnSpPr/>
+          <p:nvPr/>
+        </p:nvCxnSpPr>
+        <p:spPr>
+          <a:xfrm rot="600000" flipH="1">
+            <a:off x="12026954" y="3031272"/>
+            <a:ext cx="9513" cy="2488875"/>
+          </a:xfrm>
+          <a:prstGeom prst="line">
+            <a:avLst/>
+          </a:prstGeom>
+          <a:ln w="38100">
+            <a:solidFill>
+              <a:schemeClr val="bg1">
+                <a:lumMod val="65000"/>
+              </a:schemeClr>
+            </a:solidFill>
+          </a:ln>
+        </p:spPr>
+        <p:style>
+          <a:lnRef idx="1">
+            <a:schemeClr val="accent1"/>
+          </a:lnRef>
+          <a:fillRef idx="0">
+            <a:schemeClr val="accent1"/>
+          </a:fillRef>
+          <a:effectRef idx="0">
+            <a:schemeClr val="accent1"/>
+          </a:effectRef>
+          <a:fontRef idx="minor">
+            <a:schemeClr val="tx1"/>
+          </a:fontRef>
+        </p:style>
+      </p:cxnSp>
+    </p:spTree>
+    <p:extLst>
+      <p:ext uri="{BB962C8B-B14F-4D97-AF65-F5344CB8AC3E}">
+        <p14:creationId xmlns:p14="http://schemas.microsoft.com/office/powerpoint/2010/main" val="327202912"/>
+      </p:ext>
+    </p:extLst>
+  </p:cSld>
+  <p:clrMapOvr>
+    <a:masterClrMapping/>
+  </p:clrMapOvr>
+</p:sld>
+</file>
+
+<file path=ppt/slides/slide6.xml><?xml version="1.0" encoding="utf-8"?>
+<p:sld xmlns:a="http://schemas.openxmlformats.org/drawingml/2006/main" xmlns:r="http://schemas.openxmlformats.org/officeDocument/2006/relationships" xmlns:p="http://schemas.openxmlformats.org/presentationml/2006/main">
+  <p:cSld>
+    <p:spTree>
+      <p:nvGrpSpPr>
+        <p:cNvPr id="1" name=""/>
+        <p:cNvGrpSpPr/>
+        <p:nvPr/>
+      </p:nvGrpSpPr>
+      <p:grpSpPr>
+        <a:xfrm>
+          <a:off x="0" y="0"/>
+          <a:ext cx="0" cy="0"/>
+          <a:chOff x="0" y="0"/>
+          <a:chExt cx="0" cy="0"/>
+        </a:xfrm>
+      </p:grpSpPr>
+      <p:cxnSp>
+        <p:nvCxnSpPr>
+          <p:cNvPr id="33" name="直線コネクタ 32"/>
+          <p:cNvCxnSpPr/>
+          <p:nvPr/>
+        </p:nvCxnSpPr>
+        <p:spPr>
+          <a:xfrm rot="19800000" flipH="1">
+            <a:off x="11641410" y="718704"/>
+            <a:ext cx="9525" cy="2492062"/>
+          </a:xfrm>
+          <a:prstGeom prst="line">
+            <a:avLst/>
+          </a:prstGeom>
+          <a:ln w="38100">
+            <a:solidFill>
+              <a:schemeClr val="bg1">
+                <a:lumMod val="65000"/>
+              </a:schemeClr>
+            </a:solidFill>
+          </a:ln>
+        </p:spPr>
+        <p:style>
+          <a:lnRef idx="1">
+            <a:schemeClr val="accent1"/>
+          </a:lnRef>
+          <a:fillRef idx="0">
+            <a:schemeClr val="accent1"/>
+          </a:fillRef>
+          <a:effectRef idx="0">
+            <a:schemeClr val="accent1"/>
+          </a:effectRef>
+          <a:fontRef idx="minor">
+            <a:schemeClr val="tx1"/>
+          </a:fontRef>
+        </p:style>
+      </p:cxnSp>
+      <p:pic>
+        <p:nvPicPr>
+          <p:cNvPr id="23" name="図 22"/>
+          <p:cNvPicPr>
+            <a:picLocks/>
+          </p:cNvPicPr>
+          <p:nvPr/>
+        </p:nvPicPr>
+        <p:blipFill>
+          <a:blip r:embed="rId2"/>
+          <a:stretch>
+            <a:fillRect/>
+          </a:stretch>
+        </p:blipFill>
+        <p:spPr>
+          <a:xfrm>
+            <a:off x="9338668" y="845159"/>
+            <a:ext cx="1818000" cy="4428000"/>
+          </a:xfrm>
+          <a:prstGeom prst="rect">
+            <a:avLst/>
+          </a:prstGeom>
+        </p:spPr>
+      </p:pic>
+      <p:pic>
+        <p:nvPicPr>
+          <p:cNvPr id="24" name="図 23"/>
+          <p:cNvPicPr>
+            <a:picLocks noChangeAspect="1"/>
+          </p:cNvPicPr>
+          <p:nvPr/>
+        </p:nvPicPr>
+        <p:blipFill>
+          <a:blip r:embed="rId3"/>
+          <a:stretch>
+            <a:fillRect/>
+          </a:stretch>
+        </p:blipFill>
+        <p:spPr>
+          <a:xfrm>
+            <a:off x="6417811" y="2777964"/>
+            <a:ext cx="6011177" cy="536494"/>
+          </a:xfrm>
+          <a:prstGeom prst="rect">
+            <a:avLst/>
+          </a:prstGeom>
+        </p:spPr>
+      </p:pic>
+      <p:cxnSp>
+        <p:nvCxnSpPr>
+          <p:cNvPr id="34" name="直線コネクタ 33"/>
+          <p:cNvCxnSpPr/>
+          <p:nvPr/>
+        </p:nvCxnSpPr>
+        <p:spPr>
+          <a:xfrm rot="1800000" flipH="1">
+            <a:off x="11640613" y="2884632"/>
+            <a:ext cx="9513" cy="2488875"/>
+          </a:xfrm>
+          <a:prstGeom prst="line">
+            <a:avLst/>
+          </a:prstGeom>
+          <a:ln w="38100">
+            <a:solidFill>
+              <a:schemeClr val="bg1">
+                <a:lumMod val="65000"/>
+              </a:schemeClr>
+            </a:solidFill>
+          </a:ln>
+        </p:spPr>
+        <p:style>
+          <a:lnRef idx="1">
+            <a:schemeClr val="accent1"/>
+          </a:lnRef>
+          <a:fillRef idx="0">
+            <a:schemeClr val="accent1"/>
+          </a:fillRef>
+          <a:effectRef idx="0">
+            <a:schemeClr val="accent1"/>
+          </a:effectRef>
+          <a:fontRef idx="minor">
+            <a:schemeClr val="tx1"/>
+          </a:fontRef>
+        </p:style>
+      </p:cxnSp>
+      <p:cxnSp>
+        <p:nvCxnSpPr>
+          <p:cNvPr id="25" name="直線コネクタ 24"/>
+          <p:cNvCxnSpPr/>
+          <p:nvPr/>
+        </p:nvCxnSpPr>
+        <p:spPr>
+          <a:xfrm rot="20400000" flipH="1">
+            <a:off x="4992606" y="609947"/>
+            <a:ext cx="9525" cy="2492062"/>
+          </a:xfrm>
+          <a:prstGeom prst="line">
+            <a:avLst/>
+          </a:prstGeom>
+          <a:ln w="38100">
+            <a:solidFill>
+              <a:schemeClr val="bg1">
+                <a:lumMod val="65000"/>
+              </a:schemeClr>
+            </a:solidFill>
+          </a:ln>
+        </p:spPr>
+        <p:style>
+          <a:lnRef idx="1">
+            <a:schemeClr val="accent1"/>
+          </a:lnRef>
+          <a:fillRef idx="0">
+            <a:schemeClr val="accent1"/>
+          </a:fillRef>
+          <a:effectRef idx="0">
+            <a:schemeClr val="accent1"/>
+          </a:effectRef>
+          <a:fontRef idx="minor">
+            <a:schemeClr val="tx1"/>
+          </a:fontRef>
+        </p:style>
+      </p:cxnSp>
+      <p:pic>
+        <p:nvPicPr>
+          <p:cNvPr id="26" name="図 25"/>
+          <p:cNvPicPr>
+            <a:picLocks/>
+          </p:cNvPicPr>
+          <p:nvPr/>
+        </p:nvPicPr>
+        <p:blipFill>
+          <a:blip r:embed="rId2"/>
+          <a:stretch>
+            <a:fillRect/>
+          </a:stretch>
+        </p:blipFill>
+        <p:spPr>
+          <a:xfrm>
+            <a:off x="3175000" y="658061"/>
+            <a:ext cx="1468800" cy="4777539"/>
+          </a:xfrm>
+          <a:prstGeom prst="rect">
+            <a:avLst/>
+          </a:prstGeom>
+        </p:spPr>
+      </p:pic>
+      <p:pic>
+        <p:nvPicPr>
+          <p:cNvPr id="27" name="図 26"/>
+          <p:cNvPicPr>
+            <a:picLocks noChangeAspect="1"/>
+          </p:cNvPicPr>
+          <p:nvPr/>
+        </p:nvPicPr>
+        <p:blipFill>
+          <a:blip r:embed="rId3"/>
+          <a:stretch>
+            <a:fillRect/>
+          </a:stretch>
+        </p:blipFill>
+        <p:spPr>
+          <a:xfrm>
+            <a:off x="-427489" y="2777964"/>
+            <a:ext cx="6011177" cy="536494"/>
+          </a:xfrm>
+          <a:prstGeom prst="rect">
+            <a:avLst/>
+          </a:prstGeom>
+        </p:spPr>
+      </p:pic>
+      <p:cxnSp>
+        <p:nvCxnSpPr>
+          <p:cNvPr id="28" name="直線コネクタ 27"/>
+          <p:cNvCxnSpPr/>
+          <p:nvPr/>
+        </p:nvCxnSpPr>
+        <p:spPr>
+          <a:xfrm rot="1200000" flipH="1">
+            <a:off x="4965754" y="2955072"/>
+            <a:ext cx="9513" cy="2488875"/>
+          </a:xfrm>
+          <a:prstGeom prst="line">
+            <a:avLst/>
+          </a:prstGeom>
+          <a:ln w="38100">
+            <a:solidFill>
+              <a:schemeClr val="bg1">
+                <a:lumMod val="65000"/>
+              </a:schemeClr>
+            </a:solidFill>
+          </a:ln>
+        </p:spPr>
+        <p:style>
+          <a:lnRef idx="1">
+            <a:schemeClr val="accent1"/>
+          </a:lnRef>
+          <a:fillRef idx="0">
+            <a:schemeClr val="accent1"/>
+          </a:fillRef>
+          <a:effectRef idx="0">
+            <a:schemeClr val="accent1"/>
+          </a:effectRef>
+          <a:fontRef idx="minor">
+            <a:schemeClr val="tx1"/>
+          </a:fontRef>
+        </p:style>
+      </p:cxnSp>
+    </p:spTree>
+    <p:extLst>
+      <p:ext uri="{BB962C8B-B14F-4D97-AF65-F5344CB8AC3E}">
+        <p14:creationId xmlns:p14="http://schemas.microsoft.com/office/powerpoint/2010/main" val="3438723334"/>
+      </p:ext>
+    </p:extLst>
+  </p:cSld>
+  <p:clrMapOvr>
+    <a:masterClrMapping/>
+  </p:clrMapOvr>
+</p:sld>
+</file>
+
+<file path=ppt/slides/slide7.xml><?xml version="1.0" encoding="utf-8"?>
+<p:sld xmlns:a="http://schemas.openxmlformats.org/drawingml/2006/main" xmlns:r="http://schemas.openxmlformats.org/officeDocument/2006/relationships" xmlns:p="http://schemas.openxmlformats.org/presentationml/2006/main">
+  <p:cSld>
+    <p:spTree>
+      <p:nvGrpSpPr>
+        <p:cNvPr id="1" name=""/>
+        <p:cNvGrpSpPr/>
+        <p:nvPr/>
+      </p:nvGrpSpPr>
+      <p:grpSpPr>
+        <a:xfrm>
+          <a:off x="0" y="0"/>
+          <a:ext cx="0" cy="0"/>
+          <a:chOff x="0" y="0"/>
+          <a:chExt cx="0" cy="0"/>
+        </a:xfrm>
+      </p:grpSpPr>
+      <p:cxnSp>
+        <p:nvCxnSpPr>
+          <p:cNvPr id="33" name="直線コネクタ 32"/>
+          <p:cNvCxnSpPr/>
+          <p:nvPr/>
+        </p:nvCxnSpPr>
+        <p:spPr>
+          <a:xfrm rot="19200000" flipH="1">
+            <a:off x="5131162" y="845052"/>
+            <a:ext cx="9525" cy="2492062"/>
+          </a:xfrm>
+          <a:prstGeom prst="line">
+            <a:avLst/>
+          </a:prstGeom>
+          <a:ln w="38100">
+            <a:solidFill>
+              <a:schemeClr val="bg1">
+                <a:lumMod val="65000"/>
+              </a:schemeClr>
+            </a:solidFill>
+          </a:ln>
+        </p:spPr>
+        <p:style>
+          <a:lnRef idx="1">
+            <a:schemeClr val="accent1"/>
+          </a:lnRef>
+          <a:fillRef idx="0">
+            <a:schemeClr val="accent1"/>
+          </a:fillRef>
+          <a:effectRef idx="0">
+            <a:schemeClr val="accent1"/>
+          </a:effectRef>
+          <a:fontRef idx="minor">
+            <a:schemeClr val="tx1"/>
+          </a:fontRef>
+        </p:style>
+      </p:cxnSp>
+      <p:pic>
+        <p:nvPicPr>
+          <p:cNvPr id="23" name="図 22"/>
+          <p:cNvPicPr>
+            <a:picLocks/>
+          </p:cNvPicPr>
+          <p:nvPr/>
+        </p:nvPicPr>
+        <p:blipFill>
+          <a:blip r:embed="rId2"/>
+          <a:stretch>
+            <a:fillRect/>
+          </a:stretch>
+        </p:blipFill>
+        <p:spPr>
+          <a:xfrm>
+            <a:off x="2131826" y="1120806"/>
+            <a:ext cx="2358000" cy="3888000"/>
+          </a:xfrm>
+          <a:prstGeom prst="rect">
+            <a:avLst/>
+          </a:prstGeom>
+        </p:spPr>
+      </p:pic>
+      <p:pic>
+        <p:nvPicPr>
+          <p:cNvPr id="24" name="図 23"/>
+          <p:cNvPicPr>
+            <a:picLocks noChangeAspect="1"/>
+          </p:cNvPicPr>
+          <p:nvPr/>
+        </p:nvPicPr>
+        <p:blipFill>
+          <a:blip r:embed="rId3"/>
+          <a:stretch>
+            <a:fillRect/>
+          </a:stretch>
+        </p:blipFill>
+        <p:spPr>
+          <a:xfrm>
+            <a:off x="105911" y="2777964"/>
+            <a:ext cx="6011177" cy="536494"/>
+          </a:xfrm>
+          <a:prstGeom prst="rect">
+            <a:avLst/>
+          </a:prstGeom>
+        </p:spPr>
+      </p:pic>
+      <p:cxnSp>
+        <p:nvCxnSpPr>
+          <p:cNvPr id="34" name="直線コネクタ 33"/>
+          <p:cNvCxnSpPr/>
+          <p:nvPr/>
+        </p:nvCxnSpPr>
+        <p:spPr>
+          <a:xfrm rot="2400000" flipH="1">
+            <a:off x="5130140" y="2758125"/>
+            <a:ext cx="9513" cy="2488875"/>
+          </a:xfrm>
+          <a:prstGeom prst="line">
+            <a:avLst/>
+          </a:prstGeom>
+          <a:ln w="38100">
+            <a:solidFill>
+              <a:schemeClr val="bg1">
+                <a:lumMod val="65000"/>
+              </a:schemeClr>
+            </a:solidFill>
+          </a:ln>
+        </p:spPr>
+        <p:style>
+          <a:lnRef idx="1">
+            <a:schemeClr val="accent1"/>
+          </a:lnRef>
+          <a:fillRef idx="0">
+            <a:schemeClr val="accent1"/>
+          </a:fillRef>
+          <a:effectRef idx="0">
+            <a:schemeClr val="accent1"/>
+          </a:effectRef>
+          <a:fontRef idx="minor">
+            <a:schemeClr val="tx1"/>
+          </a:fontRef>
+        </p:style>
+      </p:cxnSp>
+      <p:pic>
+        <p:nvPicPr>
+          <p:cNvPr id="25" name="図 24"/>
+          <p:cNvPicPr>
+            <a:picLocks noChangeAspect="1"/>
+          </p:cNvPicPr>
+          <p:nvPr/>
+        </p:nvPicPr>
+        <p:blipFill>
+          <a:blip r:embed="rId3"/>
+          <a:stretch>
+            <a:fillRect/>
+          </a:stretch>
+        </p:blipFill>
+        <p:spPr>
+          <a:xfrm>
+            <a:off x="6176511" y="2777964"/>
+            <a:ext cx="6011177" cy="536494"/>
+          </a:xfrm>
+          <a:prstGeom prst="rect">
+            <a:avLst/>
+          </a:prstGeom>
+        </p:spPr>
+      </p:pic>
+      <p:pic>
+        <p:nvPicPr>
+          <p:cNvPr id="4" name="図 3"/>
+          <p:cNvPicPr>
+            <a:picLocks noChangeAspect="1"/>
+          </p:cNvPicPr>
+          <p:nvPr/>
+        </p:nvPicPr>
+        <p:blipFill>
+          <a:blip r:embed="rId4"/>
+          <a:stretch>
+            <a:fillRect/>
+          </a:stretch>
+        </p:blipFill>
+        <p:spPr>
+          <a:xfrm flipH="1">
+            <a:off x="12025326" y="513409"/>
+            <a:ext cx="1146147" cy="5102794"/>
+          </a:xfrm>
+          <a:prstGeom prst="rect">
+            <a:avLst/>
+          </a:prstGeom>
+        </p:spPr>
+      </p:pic>
+    </p:spTree>
+    <p:extLst>
+      <p:ext uri="{BB962C8B-B14F-4D97-AF65-F5344CB8AC3E}">
+        <p14:creationId xmlns:p14="http://schemas.microsoft.com/office/powerpoint/2010/main" val="719004623"/>
       </p:ext>
     </p:extLst>
   </p:cSld>
